--- a/2-5_SVM_using_kernel.pptx
+++ b/2-5_SVM_using_kernel.pptx
@@ -110,6 +110,11 @@
       </a:defRPr>
     </a:lvl9pPr>
   </p:defaultTextStyle>
+  <p:extLst>
+    <p:ext uri="{EFAFB233-063F-42B5-8137-9DF3F51BA10A}">
+      <p15:sldGuideLst xmlns:p15="http://schemas.microsoft.com/office/powerpoint/2012/main"/>
+    </p:ext>
+  </p:extLst>
 </p:presentation>
 </file>
 
@@ -260,7 +265,7 @@
           <a:p>
             <a:fld id="{75E859D6-FE4E-43B6-95B0-34925AB1AA16}" type="datetimeFigureOut">
               <a:rPr lang="ko-KR" altLang="en-US" smtClean="0"/>
-              <a:t>2022-04-01</a:t>
+              <a:t>2022-04-12</a:t>
             </a:fld>
             <a:endParaRPr lang="ko-KR" altLang="en-US"/>
           </a:p>
@@ -458,7 +463,7 @@
           <a:p>
             <a:fld id="{75E859D6-FE4E-43B6-95B0-34925AB1AA16}" type="datetimeFigureOut">
               <a:rPr lang="ko-KR" altLang="en-US" smtClean="0"/>
-              <a:t>2022-04-01</a:t>
+              <a:t>2022-04-12</a:t>
             </a:fld>
             <a:endParaRPr lang="ko-KR" altLang="en-US"/>
           </a:p>
@@ -666,7 +671,7 @@
           <a:p>
             <a:fld id="{75E859D6-FE4E-43B6-95B0-34925AB1AA16}" type="datetimeFigureOut">
               <a:rPr lang="ko-KR" altLang="en-US" smtClean="0"/>
-              <a:t>2022-04-01</a:t>
+              <a:t>2022-04-12</a:t>
             </a:fld>
             <a:endParaRPr lang="ko-KR" altLang="en-US"/>
           </a:p>
@@ -864,7 +869,7 @@
           <a:p>
             <a:fld id="{75E859D6-FE4E-43B6-95B0-34925AB1AA16}" type="datetimeFigureOut">
               <a:rPr lang="ko-KR" altLang="en-US" smtClean="0"/>
-              <a:t>2022-04-01</a:t>
+              <a:t>2022-04-12</a:t>
             </a:fld>
             <a:endParaRPr lang="ko-KR" altLang="en-US"/>
           </a:p>
@@ -1139,7 +1144,7 @@
           <a:p>
             <a:fld id="{75E859D6-FE4E-43B6-95B0-34925AB1AA16}" type="datetimeFigureOut">
               <a:rPr lang="ko-KR" altLang="en-US" smtClean="0"/>
-              <a:t>2022-04-01</a:t>
+              <a:t>2022-04-12</a:t>
             </a:fld>
             <a:endParaRPr lang="ko-KR" altLang="en-US"/>
           </a:p>
@@ -1404,7 +1409,7 @@
           <a:p>
             <a:fld id="{75E859D6-FE4E-43B6-95B0-34925AB1AA16}" type="datetimeFigureOut">
               <a:rPr lang="ko-KR" altLang="en-US" smtClean="0"/>
-              <a:t>2022-04-01</a:t>
+              <a:t>2022-04-12</a:t>
             </a:fld>
             <a:endParaRPr lang="ko-KR" altLang="en-US"/>
           </a:p>
@@ -1816,7 +1821,7 @@
           <a:p>
             <a:fld id="{75E859D6-FE4E-43B6-95B0-34925AB1AA16}" type="datetimeFigureOut">
               <a:rPr lang="ko-KR" altLang="en-US" smtClean="0"/>
-              <a:t>2022-04-01</a:t>
+              <a:t>2022-04-12</a:t>
             </a:fld>
             <a:endParaRPr lang="ko-KR" altLang="en-US"/>
           </a:p>
@@ -1957,7 +1962,7 @@
           <a:p>
             <a:fld id="{75E859D6-FE4E-43B6-95B0-34925AB1AA16}" type="datetimeFigureOut">
               <a:rPr lang="ko-KR" altLang="en-US" smtClean="0"/>
-              <a:t>2022-04-01</a:t>
+              <a:t>2022-04-12</a:t>
             </a:fld>
             <a:endParaRPr lang="ko-KR" altLang="en-US"/>
           </a:p>
@@ -2070,7 +2075,7 @@
           <a:p>
             <a:fld id="{75E859D6-FE4E-43B6-95B0-34925AB1AA16}" type="datetimeFigureOut">
               <a:rPr lang="ko-KR" altLang="en-US" smtClean="0"/>
-              <a:t>2022-04-01</a:t>
+              <a:t>2022-04-12</a:t>
             </a:fld>
             <a:endParaRPr lang="ko-KR" altLang="en-US"/>
           </a:p>
@@ -2381,7 +2386,7 @@
           <a:p>
             <a:fld id="{75E859D6-FE4E-43B6-95B0-34925AB1AA16}" type="datetimeFigureOut">
               <a:rPr lang="ko-KR" altLang="en-US" smtClean="0"/>
-              <a:t>2022-04-01</a:t>
+              <a:t>2022-04-12</a:t>
             </a:fld>
             <a:endParaRPr lang="ko-KR" altLang="en-US"/>
           </a:p>
@@ -2669,7 +2674,7 @@
           <a:p>
             <a:fld id="{75E859D6-FE4E-43B6-95B0-34925AB1AA16}" type="datetimeFigureOut">
               <a:rPr lang="ko-KR" altLang="en-US" smtClean="0"/>
-              <a:t>2022-04-01</a:t>
+              <a:t>2022-04-12</a:t>
             </a:fld>
             <a:endParaRPr lang="ko-KR" altLang="en-US"/>
           </a:p>
@@ -2910,7 +2915,7 @@
           <a:p>
             <a:fld id="{75E859D6-FE4E-43B6-95B0-34925AB1AA16}" type="datetimeFigureOut">
               <a:rPr lang="ko-KR" altLang="en-US" smtClean="0"/>
-              <a:t>2022-04-01</a:t>
+              <a:t>2022-04-12</a:t>
             </a:fld>
             <a:endParaRPr lang="ko-KR" altLang="en-US"/>
           </a:p>
@@ -3421,6 +3426,52 @@
           </a:prstGeom>
         </p:spPr>
       </p:pic>
+      <p:sp>
+        <p:nvSpPr>
+          <p:cNvPr id="5" name="TextBox 4">
+            <a:extLst>
+              <a:ext uri="{FF2B5EF4-FFF2-40B4-BE49-F238E27FC236}">
+                <a16:creationId xmlns:a16="http://schemas.microsoft.com/office/drawing/2014/main" id="{6EFC1AB4-98B1-4A3E-97C1-AFEC04A30ED3}"/>
+              </a:ext>
+            </a:extLst>
+          </p:cNvPr>
+          <p:cNvSpPr txBox="1"/>
+          <p:nvPr/>
+        </p:nvSpPr>
+        <p:spPr>
+          <a:xfrm>
+            <a:off x="0" y="6211669"/>
+            <a:ext cx="2805576" cy="646331"/>
+          </a:xfrm>
+          <a:prstGeom prst="rect">
+            <a:avLst/>
+          </a:prstGeom>
+          <a:noFill/>
+        </p:spPr>
+        <p:txBody>
+          <a:bodyPr wrap="none" rtlCol="0">
+            <a:spAutoFit/>
+          </a:bodyPr>
+          <a:lstStyle/>
+          <a:p>
+            <a:r>
+              <a:rPr lang="ko-KR" altLang="en-US" dirty="0"/>
+              <a:t>경희대학교 컴퓨터공학과</a:t>
+            </a:r>
+            <a:endParaRPr lang="en-US" altLang="ko-KR" dirty="0"/>
+          </a:p>
+          <a:p>
+            <a:r>
+              <a:rPr lang="en-US" altLang="ko-KR" dirty="0"/>
+              <a:t>2019102191 </a:t>
+            </a:r>
+            <a:r>
+              <a:rPr lang="ko-KR" altLang="en-US" dirty="0"/>
+              <a:t>신주영</a:t>
+            </a:r>
+          </a:p>
+        </p:txBody>
+      </p:sp>
     </p:spTree>
     <p:extLst>
       <p:ext uri="{BB962C8B-B14F-4D97-AF65-F5344CB8AC3E}">
